--- a/ppt 16-9/0182.圣诞钟声歌.pptx
+++ b/ppt 16-9/0182.圣诞钟声歌.pptx
@@ -5,7 +5,7 @@
     <p:sldMasterId id="2147483648" r:id="rId1"/>
   </p:sldMasterIdLst>
   <p:sldIdLst>
-    <p:sldId id="2805" r:id="rId2"/>
+    <p:sldId id="3020" r:id="rId2"/>
   </p:sldIdLst>
   <p:sldSz cx="12192000" cy="6858000"/>
   <p:notesSz cx="6858000" cy="9144000"/>
@@ -129,7 +129,7 @@
           <p:cNvPr id="2" name="标题 1">
             <a:extLst>
               <a:ext uri="{FF2B5EF4-FFF2-40B4-BE49-F238E27FC236}">
-                <a16:creationId xmlns:a16="http://schemas.microsoft.com/office/drawing/2014/main" id="{D6F2A623-54C7-B206-7719-F66D5F291201}"/>
+                <a16:creationId xmlns:a16="http://schemas.microsoft.com/office/drawing/2014/main" id="{90D9CCEF-06C5-31DE-EAEC-3DED351B48F4}"/>
               </a:ext>
             </a:extLst>
           </p:cNvPr>
@@ -166,7 +166,7 @@
           <p:cNvPr id="3" name="副标题 2">
             <a:extLst>
               <a:ext uri="{FF2B5EF4-FFF2-40B4-BE49-F238E27FC236}">
-                <a16:creationId xmlns:a16="http://schemas.microsoft.com/office/drawing/2014/main" id="{CCEEC214-6F2C-3D42-1A3E-E51115EC2F38}"/>
+                <a16:creationId xmlns:a16="http://schemas.microsoft.com/office/drawing/2014/main" id="{EE61EBD4-6B27-DDDE-01B7-040BF0DDA421}"/>
               </a:ext>
             </a:extLst>
           </p:cNvPr>
@@ -236,7 +236,7 @@
           <p:cNvPr id="4" name="日期占位符 3">
             <a:extLst>
               <a:ext uri="{FF2B5EF4-FFF2-40B4-BE49-F238E27FC236}">
-                <a16:creationId xmlns:a16="http://schemas.microsoft.com/office/drawing/2014/main" id="{E342609C-0607-F73B-C497-6AB3EC7838D5}"/>
+                <a16:creationId xmlns:a16="http://schemas.microsoft.com/office/drawing/2014/main" id="{3B42BCB2-58C2-3220-D7D7-33A66BA58EE6}"/>
               </a:ext>
             </a:extLst>
           </p:cNvPr>
@@ -252,7 +252,7 @@
           <a:bodyPr/>
           <a:lstStyle/>
           <a:p>
-            <a:fld id="{8C1EEF2E-0BC6-4099-ACEE-A6F26BE692BA}" type="datetimeFigureOut">
+            <a:fld id="{24398BFE-3056-4D50-9561-27E8ADA5F587}" type="datetimeFigureOut">
               <a:rPr lang="zh-CN" altLang="en-US" smtClean="0"/>
               <a:t>2024/3/10</a:t>
             </a:fld>
@@ -265,7 +265,7 @@
           <p:cNvPr id="5" name="页脚占位符 4">
             <a:extLst>
               <a:ext uri="{FF2B5EF4-FFF2-40B4-BE49-F238E27FC236}">
-                <a16:creationId xmlns:a16="http://schemas.microsoft.com/office/drawing/2014/main" id="{3D4FA2F8-37EC-AB3B-EE7C-6AE7232CBE63}"/>
+                <a16:creationId xmlns:a16="http://schemas.microsoft.com/office/drawing/2014/main" id="{D2397E4C-2358-AD08-43CF-6085D15D79C6}"/>
               </a:ext>
             </a:extLst>
           </p:cNvPr>
@@ -290,7 +290,7 @@
           <p:cNvPr id="6" name="灯片编号占位符 5">
             <a:extLst>
               <a:ext uri="{FF2B5EF4-FFF2-40B4-BE49-F238E27FC236}">
-                <a16:creationId xmlns:a16="http://schemas.microsoft.com/office/drawing/2014/main" id="{A8BE3FA5-3FFA-6D8F-6625-8F1332547CDD}"/>
+                <a16:creationId xmlns:a16="http://schemas.microsoft.com/office/drawing/2014/main" id="{3D52E79B-B645-92B8-AA98-C5F18DEFEDCF}"/>
               </a:ext>
             </a:extLst>
           </p:cNvPr>
@@ -306,7 +306,7 @@
           <a:bodyPr/>
           <a:lstStyle/>
           <a:p>
-            <a:fld id="{49692FA6-979D-4935-96EC-6B1E20EBDCF0}" type="slidenum">
+            <a:fld id="{FDE6FA59-A116-405B-A2B8-5C7A5AB6A47A}" type="slidenum">
               <a:rPr lang="zh-CN" altLang="en-US" smtClean="0"/>
               <a:t>‹#›</a:t>
             </a:fld>
@@ -317,7 +317,7 @@
     </p:spTree>
     <p:extLst>
       <p:ext uri="{BB962C8B-B14F-4D97-AF65-F5344CB8AC3E}">
-        <p14:creationId xmlns:p14="http://schemas.microsoft.com/office/powerpoint/2010/main" val="122278584"/>
+        <p14:creationId xmlns:p14="http://schemas.microsoft.com/office/powerpoint/2010/main" val="2112230064"/>
       </p:ext>
     </p:extLst>
   </p:cSld>
@@ -349,7 +349,7 @@
           <p:cNvPr id="2" name="标题 1">
             <a:extLst>
               <a:ext uri="{FF2B5EF4-FFF2-40B4-BE49-F238E27FC236}">
-                <a16:creationId xmlns:a16="http://schemas.microsoft.com/office/drawing/2014/main" id="{AA957110-250C-D6D4-528E-64E5A28A6419}"/>
+                <a16:creationId xmlns:a16="http://schemas.microsoft.com/office/drawing/2014/main" id="{A983EDDB-15BC-17FC-A418-562B33508934}"/>
               </a:ext>
             </a:extLst>
           </p:cNvPr>
@@ -377,7 +377,7 @@
           <p:cNvPr id="3" name="竖排文字占位符 2">
             <a:extLst>
               <a:ext uri="{FF2B5EF4-FFF2-40B4-BE49-F238E27FC236}">
-                <a16:creationId xmlns:a16="http://schemas.microsoft.com/office/drawing/2014/main" id="{4B84E9EC-E6A7-C99D-8B31-A0A7038535EF}"/>
+                <a16:creationId xmlns:a16="http://schemas.microsoft.com/office/drawing/2014/main" id="{0EE0A64A-C5BC-A9FC-B922-5B9030B29906}"/>
               </a:ext>
             </a:extLst>
           </p:cNvPr>
@@ -434,7 +434,7 @@
           <p:cNvPr id="4" name="日期占位符 3">
             <a:extLst>
               <a:ext uri="{FF2B5EF4-FFF2-40B4-BE49-F238E27FC236}">
-                <a16:creationId xmlns:a16="http://schemas.microsoft.com/office/drawing/2014/main" id="{09BE71D8-4933-F2BF-D11B-AE58BA8F5126}"/>
+                <a16:creationId xmlns:a16="http://schemas.microsoft.com/office/drawing/2014/main" id="{E6593F13-D765-C231-5E78-4CACFEB92135}"/>
               </a:ext>
             </a:extLst>
           </p:cNvPr>
@@ -450,7 +450,7 @@
           <a:bodyPr/>
           <a:lstStyle/>
           <a:p>
-            <a:fld id="{8C1EEF2E-0BC6-4099-ACEE-A6F26BE692BA}" type="datetimeFigureOut">
+            <a:fld id="{24398BFE-3056-4D50-9561-27E8ADA5F587}" type="datetimeFigureOut">
               <a:rPr lang="zh-CN" altLang="en-US" smtClean="0"/>
               <a:t>2024/3/10</a:t>
             </a:fld>
@@ -463,7 +463,7 @@
           <p:cNvPr id="5" name="页脚占位符 4">
             <a:extLst>
               <a:ext uri="{FF2B5EF4-FFF2-40B4-BE49-F238E27FC236}">
-                <a16:creationId xmlns:a16="http://schemas.microsoft.com/office/drawing/2014/main" id="{3A0273CF-B317-6F73-B22C-DB7C3EF6D2B7}"/>
+                <a16:creationId xmlns:a16="http://schemas.microsoft.com/office/drawing/2014/main" id="{CE850B8B-C100-4DD4-0B26-3DACBACD1F77}"/>
               </a:ext>
             </a:extLst>
           </p:cNvPr>
@@ -488,7 +488,7 @@
           <p:cNvPr id="6" name="灯片编号占位符 5">
             <a:extLst>
               <a:ext uri="{FF2B5EF4-FFF2-40B4-BE49-F238E27FC236}">
-                <a16:creationId xmlns:a16="http://schemas.microsoft.com/office/drawing/2014/main" id="{6C449F9D-160D-AA94-0940-8BBA3CE0B8D9}"/>
+                <a16:creationId xmlns:a16="http://schemas.microsoft.com/office/drawing/2014/main" id="{C2705E8F-6579-5AB6-0254-C6DCC4F400E7}"/>
               </a:ext>
             </a:extLst>
           </p:cNvPr>
@@ -504,7 +504,7 @@
           <a:bodyPr/>
           <a:lstStyle/>
           <a:p>
-            <a:fld id="{49692FA6-979D-4935-96EC-6B1E20EBDCF0}" type="slidenum">
+            <a:fld id="{FDE6FA59-A116-405B-A2B8-5C7A5AB6A47A}" type="slidenum">
               <a:rPr lang="zh-CN" altLang="en-US" smtClean="0"/>
               <a:t>‹#›</a:t>
             </a:fld>
@@ -515,7 +515,7 @@
     </p:spTree>
     <p:extLst>
       <p:ext uri="{BB962C8B-B14F-4D97-AF65-F5344CB8AC3E}">
-        <p14:creationId xmlns:p14="http://schemas.microsoft.com/office/powerpoint/2010/main" val="3155941097"/>
+        <p14:creationId xmlns:p14="http://schemas.microsoft.com/office/powerpoint/2010/main" val="2071101070"/>
       </p:ext>
     </p:extLst>
   </p:cSld>
@@ -547,7 +547,7 @@
           <p:cNvPr id="2" name="竖排标题 1">
             <a:extLst>
               <a:ext uri="{FF2B5EF4-FFF2-40B4-BE49-F238E27FC236}">
-                <a16:creationId xmlns:a16="http://schemas.microsoft.com/office/drawing/2014/main" id="{02FF809A-5696-E06B-2216-61EF4ECB974F}"/>
+                <a16:creationId xmlns:a16="http://schemas.microsoft.com/office/drawing/2014/main" id="{736D5AE2-D28E-5D9D-20B4-A8606BF85357}"/>
               </a:ext>
             </a:extLst>
           </p:cNvPr>
@@ -580,7 +580,7 @@
           <p:cNvPr id="3" name="竖排文字占位符 2">
             <a:extLst>
               <a:ext uri="{FF2B5EF4-FFF2-40B4-BE49-F238E27FC236}">
-                <a16:creationId xmlns:a16="http://schemas.microsoft.com/office/drawing/2014/main" id="{D73C093F-F5ED-1CA2-54A9-BCDFE7B345FE}"/>
+                <a16:creationId xmlns:a16="http://schemas.microsoft.com/office/drawing/2014/main" id="{DD598818-A632-F871-2E08-E8768BEA76C3}"/>
               </a:ext>
             </a:extLst>
           </p:cNvPr>
@@ -642,7 +642,7 @@
           <p:cNvPr id="4" name="日期占位符 3">
             <a:extLst>
               <a:ext uri="{FF2B5EF4-FFF2-40B4-BE49-F238E27FC236}">
-                <a16:creationId xmlns:a16="http://schemas.microsoft.com/office/drawing/2014/main" id="{A039C419-F605-74CE-2517-A80308971775}"/>
+                <a16:creationId xmlns:a16="http://schemas.microsoft.com/office/drawing/2014/main" id="{32F0D80F-9753-0850-92C0-9D728DDA5C5C}"/>
               </a:ext>
             </a:extLst>
           </p:cNvPr>
@@ -658,7 +658,7 @@
           <a:bodyPr/>
           <a:lstStyle/>
           <a:p>
-            <a:fld id="{8C1EEF2E-0BC6-4099-ACEE-A6F26BE692BA}" type="datetimeFigureOut">
+            <a:fld id="{24398BFE-3056-4D50-9561-27E8ADA5F587}" type="datetimeFigureOut">
               <a:rPr lang="zh-CN" altLang="en-US" smtClean="0"/>
               <a:t>2024/3/10</a:t>
             </a:fld>
@@ -671,7 +671,7 @@
           <p:cNvPr id="5" name="页脚占位符 4">
             <a:extLst>
               <a:ext uri="{FF2B5EF4-FFF2-40B4-BE49-F238E27FC236}">
-                <a16:creationId xmlns:a16="http://schemas.microsoft.com/office/drawing/2014/main" id="{25261502-7F3E-0BBA-07CB-9D73E96BA66A}"/>
+                <a16:creationId xmlns:a16="http://schemas.microsoft.com/office/drawing/2014/main" id="{4A374333-29C5-E38F-E15B-89412BFB5EA4}"/>
               </a:ext>
             </a:extLst>
           </p:cNvPr>
@@ -696,7 +696,7 @@
           <p:cNvPr id="6" name="灯片编号占位符 5">
             <a:extLst>
               <a:ext uri="{FF2B5EF4-FFF2-40B4-BE49-F238E27FC236}">
-                <a16:creationId xmlns:a16="http://schemas.microsoft.com/office/drawing/2014/main" id="{123C2545-DE8C-E972-8DAD-27043DDACA64}"/>
+                <a16:creationId xmlns:a16="http://schemas.microsoft.com/office/drawing/2014/main" id="{4FB4774B-F140-F156-1862-2873C1C25755}"/>
               </a:ext>
             </a:extLst>
           </p:cNvPr>
@@ -712,7 +712,7 @@
           <a:bodyPr/>
           <a:lstStyle/>
           <a:p>
-            <a:fld id="{49692FA6-979D-4935-96EC-6B1E20EBDCF0}" type="slidenum">
+            <a:fld id="{FDE6FA59-A116-405B-A2B8-5C7A5AB6A47A}" type="slidenum">
               <a:rPr lang="zh-CN" altLang="en-US" smtClean="0"/>
               <a:t>‹#›</a:t>
             </a:fld>
@@ -723,7 +723,7 @@
     </p:spTree>
     <p:extLst>
       <p:ext uri="{BB962C8B-B14F-4D97-AF65-F5344CB8AC3E}">
-        <p14:creationId xmlns:p14="http://schemas.microsoft.com/office/powerpoint/2010/main" val="3582676776"/>
+        <p14:creationId xmlns:p14="http://schemas.microsoft.com/office/powerpoint/2010/main" val="4150462341"/>
       </p:ext>
     </p:extLst>
   </p:cSld>
@@ -755,7 +755,7 @@
           <p:cNvPr id="2" name="标题 1">
             <a:extLst>
               <a:ext uri="{FF2B5EF4-FFF2-40B4-BE49-F238E27FC236}">
-                <a16:creationId xmlns:a16="http://schemas.microsoft.com/office/drawing/2014/main" id="{5514D1C8-779A-CD85-F5C2-F6503D0DDEC2}"/>
+                <a16:creationId xmlns:a16="http://schemas.microsoft.com/office/drawing/2014/main" id="{A3C79F04-1ED3-0796-C49E-53FCB4DE6BB7}"/>
               </a:ext>
             </a:extLst>
           </p:cNvPr>
@@ -783,7 +783,7 @@
           <p:cNvPr id="3" name="内容占位符 2">
             <a:extLst>
               <a:ext uri="{FF2B5EF4-FFF2-40B4-BE49-F238E27FC236}">
-                <a16:creationId xmlns:a16="http://schemas.microsoft.com/office/drawing/2014/main" id="{B1D82858-3FBC-A4B3-E584-0BF3B602B10D}"/>
+                <a16:creationId xmlns:a16="http://schemas.microsoft.com/office/drawing/2014/main" id="{D414B220-041D-F21D-120E-06C0E11991A9}"/>
               </a:ext>
             </a:extLst>
           </p:cNvPr>
@@ -840,7 +840,7 @@
           <p:cNvPr id="4" name="日期占位符 3">
             <a:extLst>
               <a:ext uri="{FF2B5EF4-FFF2-40B4-BE49-F238E27FC236}">
-                <a16:creationId xmlns:a16="http://schemas.microsoft.com/office/drawing/2014/main" id="{7C2429CE-D38C-0926-585F-73DE170EA059}"/>
+                <a16:creationId xmlns:a16="http://schemas.microsoft.com/office/drawing/2014/main" id="{88D0A278-230F-B30E-8928-C8DB5C594D8C}"/>
               </a:ext>
             </a:extLst>
           </p:cNvPr>
@@ -856,7 +856,7 @@
           <a:bodyPr/>
           <a:lstStyle/>
           <a:p>
-            <a:fld id="{8C1EEF2E-0BC6-4099-ACEE-A6F26BE692BA}" type="datetimeFigureOut">
+            <a:fld id="{24398BFE-3056-4D50-9561-27E8ADA5F587}" type="datetimeFigureOut">
               <a:rPr lang="zh-CN" altLang="en-US" smtClean="0"/>
               <a:t>2024/3/10</a:t>
             </a:fld>
@@ -869,7 +869,7 @@
           <p:cNvPr id="5" name="页脚占位符 4">
             <a:extLst>
               <a:ext uri="{FF2B5EF4-FFF2-40B4-BE49-F238E27FC236}">
-                <a16:creationId xmlns:a16="http://schemas.microsoft.com/office/drawing/2014/main" id="{E25C5EA2-FA17-A206-5868-1BFD81E2B40C}"/>
+                <a16:creationId xmlns:a16="http://schemas.microsoft.com/office/drawing/2014/main" id="{455D4D61-29D4-712C-C261-661D9F8EF430}"/>
               </a:ext>
             </a:extLst>
           </p:cNvPr>
@@ -894,7 +894,7 @@
           <p:cNvPr id="6" name="灯片编号占位符 5">
             <a:extLst>
               <a:ext uri="{FF2B5EF4-FFF2-40B4-BE49-F238E27FC236}">
-                <a16:creationId xmlns:a16="http://schemas.microsoft.com/office/drawing/2014/main" id="{DA4AE2CF-835A-34B0-5A1B-AF02E7E6F64B}"/>
+                <a16:creationId xmlns:a16="http://schemas.microsoft.com/office/drawing/2014/main" id="{64D40B5B-1099-DF1C-8882-0A15C14A0E17}"/>
               </a:ext>
             </a:extLst>
           </p:cNvPr>
@@ -910,7 +910,7 @@
           <a:bodyPr/>
           <a:lstStyle/>
           <a:p>
-            <a:fld id="{49692FA6-979D-4935-96EC-6B1E20EBDCF0}" type="slidenum">
+            <a:fld id="{FDE6FA59-A116-405B-A2B8-5C7A5AB6A47A}" type="slidenum">
               <a:rPr lang="zh-CN" altLang="en-US" smtClean="0"/>
               <a:t>‹#›</a:t>
             </a:fld>
@@ -921,7 +921,7 @@
     </p:spTree>
     <p:extLst>
       <p:ext uri="{BB962C8B-B14F-4D97-AF65-F5344CB8AC3E}">
-        <p14:creationId xmlns:p14="http://schemas.microsoft.com/office/powerpoint/2010/main" val="3910766636"/>
+        <p14:creationId xmlns:p14="http://schemas.microsoft.com/office/powerpoint/2010/main" val="3755163295"/>
       </p:ext>
     </p:extLst>
   </p:cSld>
@@ -953,7 +953,7 @@
           <p:cNvPr id="2" name="标题 1">
             <a:extLst>
               <a:ext uri="{FF2B5EF4-FFF2-40B4-BE49-F238E27FC236}">
-                <a16:creationId xmlns:a16="http://schemas.microsoft.com/office/drawing/2014/main" id="{09C73B42-FEB5-D80E-DAA1-209763A0610F}"/>
+                <a16:creationId xmlns:a16="http://schemas.microsoft.com/office/drawing/2014/main" id="{4089C6A9-03C3-1F58-12BB-BB024793C69A}"/>
               </a:ext>
             </a:extLst>
           </p:cNvPr>
@@ -990,7 +990,7 @@
           <p:cNvPr id="3" name="文本占位符 2">
             <a:extLst>
               <a:ext uri="{FF2B5EF4-FFF2-40B4-BE49-F238E27FC236}">
-                <a16:creationId xmlns:a16="http://schemas.microsoft.com/office/drawing/2014/main" id="{7F60299E-4C32-DED8-FE6D-D9237CEA5783}"/>
+                <a16:creationId xmlns:a16="http://schemas.microsoft.com/office/drawing/2014/main" id="{9D37968F-9611-FAEC-9065-6BC6BE9C2CE2}"/>
               </a:ext>
             </a:extLst>
           </p:cNvPr>
@@ -1115,7 +1115,7 @@
           <p:cNvPr id="4" name="日期占位符 3">
             <a:extLst>
               <a:ext uri="{FF2B5EF4-FFF2-40B4-BE49-F238E27FC236}">
-                <a16:creationId xmlns:a16="http://schemas.microsoft.com/office/drawing/2014/main" id="{524BD1BB-7D7A-1EF5-E4ED-07BA87421C37}"/>
+                <a16:creationId xmlns:a16="http://schemas.microsoft.com/office/drawing/2014/main" id="{0349C4FB-F232-94C1-28C8-69FB9C2DA319}"/>
               </a:ext>
             </a:extLst>
           </p:cNvPr>
@@ -1131,7 +1131,7 @@
           <a:bodyPr/>
           <a:lstStyle/>
           <a:p>
-            <a:fld id="{8C1EEF2E-0BC6-4099-ACEE-A6F26BE692BA}" type="datetimeFigureOut">
+            <a:fld id="{24398BFE-3056-4D50-9561-27E8ADA5F587}" type="datetimeFigureOut">
               <a:rPr lang="zh-CN" altLang="en-US" smtClean="0"/>
               <a:t>2024/3/10</a:t>
             </a:fld>
@@ -1144,7 +1144,7 @@
           <p:cNvPr id="5" name="页脚占位符 4">
             <a:extLst>
               <a:ext uri="{FF2B5EF4-FFF2-40B4-BE49-F238E27FC236}">
-                <a16:creationId xmlns:a16="http://schemas.microsoft.com/office/drawing/2014/main" id="{EF5FCC11-E17D-4381-6605-7A42BD8E6B09}"/>
+                <a16:creationId xmlns:a16="http://schemas.microsoft.com/office/drawing/2014/main" id="{C0DD1453-9B72-B217-6E52-BF9BADE8FED0}"/>
               </a:ext>
             </a:extLst>
           </p:cNvPr>
@@ -1169,7 +1169,7 @@
           <p:cNvPr id="6" name="灯片编号占位符 5">
             <a:extLst>
               <a:ext uri="{FF2B5EF4-FFF2-40B4-BE49-F238E27FC236}">
-                <a16:creationId xmlns:a16="http://schemas.microsoft.com/office/drawing/2014/main" id="{01632921-1040-D41E-892F-4B45232BB9F3}"/>
+                <a16:creationId xmlns:a16="http://schemas.microsoft.com/office/drawing/2014/main" id="{B574FC5B-FD19-88CF-091A-8D9070987FAB}"/>
               </a:ext>
             </a:extLst>
           </p:cNvPr>
@@ -1185,7 +1185,7 @@
           <a:bodyPr/>
           <a:lstStyle/>
           <a:p>
-            <a:fld id="{49692FA6-979D-4935-96EC-6B1E20EBDCF0}" type="slidenum">
+            <a:fld id="{FDE6FA59-A116-405B-A2B8-5C7A5AB6A47A}" type="slidenum">
               <a:rPr lang="zh-CN" altLang="en-US" smtClean="0"/>
               <a:t>‹#›</a:t>
             </a:fld>
@@ -1196,7 +1196,7 @@
     </p:spTree>
     <p:extLst>
       <p:ext uri="{BB962C8B-B14F-4D97-AF65-F5344CB8AC3E}">
-        <p14:creationId xmlns:p14="http://schemas.microsoft.com/office/powerpoint/2010/main" val="4220047308"/>
+        <p14:creationId xmlns:p14="http://schemas.microsoft.com/office/powerpoint/2010/main" val="3663459093"/>
       </p:ext>
     </p:extLst>
   </p:cSld>
@@ -1228,7 +1228,7 @@
           <p:cNvPr id="2" name="标题 1">
             <a:extLst>
               <a:ext uri="{FF2B5EF4-FFF2-40B4-BE49-F238E27FC236}">
-                <a16:creationId xmlns:a16="http://schemas.microsoft.com/office/drawing/2014/main" id="{067D724A-957A-3FDA-3DB7-7E0313D79102}"/>
+                <a16:creationId xmlns:a16="http://schemas.microsoft.com/office/drawing/2014/main" id="{82D45E35-15AE-8163-3037-D99E18873B02}"/>
               </a:ext>
             </a:extLst>
           </p:cNvPr>
@@ -1256,7 +1256,7 @@
           <p:cNvPr id="3" name="内容占位符 2">
             <a:extLst>
               <a:ext uri="{FF2B5EF4-FFF2-40B4-BE49-F238E27FC236}">
-                <a16:creationId xmlns:a16="http://schemas.microsoft.com/office/drawing/2014/main" id="{DAC77047-DB71-6F52-62C8-8B7F86457822}"/>
+                <a16:creationId xmlns:a16="http://schemas.microsoft.com/office/drawing/2014/main" id="{41A156FA-13A2-EEA2-765C-AA37F12A326F}"/>
               </a:ext>
             </a:extLst>
           </p:cNvPr>
@@ -1318,7 +1318,7 @@
           <p:cNvPr id="4" name="内容占位符 3">
             <a:extLst>
               <a:ext uri="{FF2B5EF4-FFF2-40B4-BE49-F238E27FC236}">
-                <a16:creationId xmlns:a16="http://schemas.microsoft.com/office/drawing/2014/main" id="{D53F5874-686F-6BC3-C1BD-3893713FE79B}"/>
+                <a16:creationId xmlns:a16="http://schemas.microsoft.com/office/drawing/2014/main" id="{B47515A4-68ED-503D-BE03-14E8727118F8}"/>
               </a:ext>
             </a:extLst>
           </p:cNvPr>
@@ -1380,7 +1380,7 @@
           <p:cNvPr id="5" name="日期占位符 4">
             <a:extLst>
               <a:ext uri="{FF2B5EF4-FFF2-40B4-BE49-F238E27FC236}">
-                <a16:creationId xmlns:a16="http://schemas.microsoft.com/office/drawing/2014/main" id="{2ABD2082-12A8-3E8B-620C-D45D47A81311}"/>
+                <a16:creationId xmlns:a16="http://schemas.microsoft.com/office/drawing/2014/main" id="{B43F5CD0-E590-5A6C-238F-BD3681ECF5EE}"/>
               </a:ext>
             </a:extLst>
           </p:cNvPr>
@@ -1396,7 +1396,7 @@
           <a:bodyPr/>
           <a:lstStyle/>
           <a:p>
-            <a:fld id="{8C1EEF2E-0BC6-4099-ACEE-A6F26BE692BA}" type="datetimeFigureOut">
+            <a:fld id="{24398BFE-3056-4D50-9561-27E8ADA5F587}" type="datetimeFigureOut">
               <a:rPr lang="zh-CN" altLang="en-US" smtClean="0"/>
               <a:t>2024/3/10</a:t>
             </a:fld>
@@ -1409,7 +1409,7 @@
           <p:cNvPr id="6" name="页脚占位符 5">
             <a:extLst>
               <a:ext uri="{FF2B5EF4-FFF2-40B4-BE49-F238E27FC236}">
-                <a16:creationId xmlns:a16="http://schemas.microsoft.com/office/drawing/2014/main" id="{A1711813-FDC3-A3AF-15F4-004EFDA17BF5}"/>
+                <a16:creationId xmlns:a16="http://schemas.microsoft.com/office/drawing/2014/main" id="{40CB03A0-6179-D835-BDCB-0DB836C137BC}"/>
               </a:ext>
             </a:extLst>
           </p:cNvPr>
@@ -1434,7 +1434,7 @@
           <p:cNvPr id="7" name="灯片编号占位符 6">
             <a:extLst>
               <a:ext uri="{FF2B5EF4-FFF2-40B4-BE49-F238E27FC236}">
-                <a16:creationId xmlns:a16="http://schemas.microsoft.com/office/drawing/2014/main" id="{86B56E98-9DD7-4BF5-A814-9025F09619E3}"/>
+                <a16:creationId xmlns:a16="http://schemas.microsoft.com/office/drawing/2014/main" id="{B8AF8A1F-87CE-5CE1-A763-95E2D97D980C}"/>
               </a:ext>
             </a:extLst>
           </p:cNvPr>
@@ -1450,7 +1450,7 @@
           <a:bodyPr/>
           <a:lstStyle/>
           <a:p>
-            <a:fld id="{49692FA6-979D-4935-96EC-6B1E20EBDCF0}" type="slidenum">
+            <a:fld id="{FDE6FA59-A116-405B-A2B8-5C7A5AB6A47A}" type="slidenum">
               <a:rPr lang="zh-CN" altLang="en-US" smtClean="0"/>
               <a:t>‹#›</a:t>
             </a:fld>
@@ -1461,7 +1461,7 @@
     </p:spTree>
     <p:extLst>
       <p:ext uri="{BB962C8B-B14F-4D97-AF65-F5344CB8AC3E}">
-        <p14:creationId xmlns:p14="http://schemas.microsoft.com/office/powerpoint/2010/main" val="2375543094"/>
+        <p14:creationId xmlns:p14="http://schemas.microsoft.com/office/powerpoint/2010/main" val="1233299130"/>
       </p:ext>
     </p:extLst>
   </p:cSld>
@@ -1493,7 +1493,7 @@
           <p:cNvPr id="2" name="标题 1">
             <a:extLst>
               <a:ext uri="{FF2B5EF4-FFF2-40B4-BE49-F238E27FC236}">
-                <a16:creationId xmlns:a16="http://schemas.microsoft.com/office/drawing/2014/main" id="{FA74A752-2AA5-1C75-72DE-BF0F76FF3DC9}"/>
+                <a16:creationId xmlns:a16="http://schemas.microsoft.com/office/drawing/2014/main" id="{0BA1A1FC-986F-D788-887A-36DFC4AC10DE}"/>
               </a:ext>
             </a:extLst>
           </p:cNvPr>
@@ -1526,7 +1526,7 @@
           <p:cNvPr id="3" name="文本占位符 2">
             <a:extLst>
               <a:ext uri="{FF2B5EF4-FFF2-40B4-BE49-F238E27FC236}">
-                <a16:creationId xmlns:a16="http://schemas.microsoft.com/office/drawing/2014/main" id="{2E20D8A7-23EF-A60F-3468-E4BAB8112E57}"/>
+                <a16:creationId xmlns:a16="http://schemas.microsoft.com/office/drawing/2014/main" id="{DBB455BF-4768-3C2A-779B-7AD2F031E013}"/>
               </a:ext>
             </a:extLst>
           </p:cNvPr>
@@ -1597,7 +1597,7 @@
           <p:cNvPr id="4" name="内容占位符 3">
             <a:extLst>
               <a:ext uri="{FF2B5EF4-FFF2-40B4-BE49-F238E27FC236}">
-                <a16:creationId xmlns:a16="http://schemas.microsoft.com/office/drawing/2014/main" id="{7164D155-EDC5-E523-12F9-2945384B5BA2}"/>
+                <a16:creationId xmlns:a16="http://schemas.microsoft.com/office/drawing/2014/main" id="{8F947013-D012-135B-FCFB-F1F9E2343D26}"/>
               </a:ext>
             </a:extLst>
           </p:cNvPr>
@@ -1659,7 +1659,7 @@
           <p:cNvPr id="5" name="文本占位符 4">
             <a:extLst>
               <a:ext uri="{FF2B5EF4-FFF2-40B4-BE49-F238E27FC236}">
-                <a16:creationId xmlns:a16="http://schemas.microsoft.com/office/drawing/2014/main" id="{9A3F64F3-641F-AA0E-8662-1157BE9B61F0}"/>
+                <a16:creationId xmlns:a16="http://schemas.microsoft.com/office/drawing/2014/main" id="{DD9BAE34-0BF3-98AD-1874-FCA5026C442F}"/>
               </a:ext>
             </a:extLst>
           </p:cNvPr>
@@ -1730,7 +1730,7 @@
           <p:cNvPr id="6" name="内容占位符 5">
             <a:extLst>
               <a:ext uri="{FF2B5EF4-FFF2-40B4-BE49-F238E27FC236}">
-                <a16:creationId xmlns:a16="http://schemas.microsoft.com/office/drawing/2014/main" id="{15BDCC0D-7665-30DC-6042-73F29D141CDC}"/>
+                <a16:creationId xmlns:a16="http://schemas.microsoft.com/office/drawing/2014/main" id="{95B2F384-C54A-4268-6F8D-71EFD96EDF04}"/>
               </a:ext>
             </a:extLst>
           </p:cNvPr>
@@ -1792,7 +1792,7 @@
           <p:cNvPr id="7" name="日期占位符 6">
             <a:extLst>
               <a:ext uri="{FF2B5EF4-FFF2-40B4-BE49-F238E27FC236}">
-                <a16:creationId xmlns:a16="http://schemas.microsoft.com/office/drawing/2014/main" id="{42CBAADE-0879-6998-64BE-FC94E4BC9BDE}"/>
+                <a16:creationId xmlns:a16="http://schemas.microsoft.com/office/drawing/2014/main" id="{51973744-5741-EB85-3EDC-65D6B6EF612E}"/>
               </a:ext>
             </a:extLst>
           </p:cNvPr>
@@ -1808,7 +1808,7 @@
           <a:bodyPr/>
           <a:lstStyle/>
           <a:p>
-            <a:fld id="{8C1EEF2E-0BC6-4099-ACEE-A6F26BE692BA}" type="datetimeFigureOut">
+            <a:fld id="{24398BFE-3056-4D50-9561-27E8ADA5F587}" type="datetimeFigureOut">
               <a:rPr lang="zh-CN" altLang="en-US" smtClean="0"/>
               <a:t>2024/3/10</a:t>
             </a:fld>
@@ -1821,7 +1821,7 @@
           <p:cNvPr id="8" name="页脚占位符 7">
             <a:extLst>
               <a:ext uri="{FF2B5EF4-FFF2-40B4-BE49-F238E27FC236}">
-                <a16:creationId xmlns:a16="http://schemas.microsoft.com/office/drawing/2014/main" id="{621A1E09-74F1-EA30-5115-CB7EF33AC76F}"/>
+                <a16:creationId xmlns:a16="http://schemas.microsoft.com/office/drawing/2014/main" id="{F12C0233-292D-281F-5FB7-D2B2D4B6B45C}"/>
               </a:ext>
             </a:extLst>
           </p:cNvPr>
@@ -1846,7 +1846,7 @@
           <p:cNvPr id="9" name="灯片编号占位符 8">
             <a:extLst>
               <a:ext uri="{FF2B5EF4-FFF2-40B4-BE49-F238E27FC236}">
-                <a16:creationId xmlns:a16="http://schemas.microsoft.com/office/drawing/2014/main" id="{8EEF8F84-CBE7-4BE2-6F06-BE19D062D674}"/>
+                <a16:creationId xmlns:a16="http://schemas.microsoft.com/office/drawing/2014/main" id="{F09A6F7A-EC23-EDC6-CCC6-91D40CD5CFAB}"/>
               </a:ext>
             </a:extLst>
           </p:cNvPr>
@@ -1862,7 +1862,7 @@
           <a:bodyPr/>
           <a:lstStyle/>
           <a:p>
-            <a:fld id="{49692FA6-979D-4935-96EC-6B1E20EBDCF0}" type="slidenum">
+            <a:fld id="{FDE6FA59-A116-405B-A2B8-5C7A5AB6A47A}" type="slidenum">
               <a:rPr lang="zh-CN" altLang="en-US" smtClean="0"/>
               <a:t>‹#›</a:t>
             </a:fld>
@@ -1873,7 +1873,7 @@
     </p:spTree>
     <p:extLst>
       <p:ext uri="{BB962C8B-B14F-4D97-AF65-F5344CB8AC3E}">
-        <p14:creationId xmlns:p14="http://schemas.microsoft.com/office/powerpoint/2010/main" val="2789964189"/>
+        <p14:creationId xmlns:p14="http://schemas.microsoft.com/office/powerpoint/2010/main" val="1033388663"/>
       </p:ext>
     </p:extLst>
   </p:cSld>
@@ -1905,7 +1905,7 @@
           <p:cNvPr id="2" name="标题 1">
             <a:extLst>
               <a:ext uri="{FF2B5EF4-FFF2-40B4-BE49-F238E27FC236}">
-                <a16:creationId xmlns:a16="http://schemas.microsoft.com/office/drawing/2014/main" id="{D5CD7924-5EE0-C38C-0078-26DD621861EF}"/>
+                <a16:creationId xmlns:a16="http://schemas.microsoft.com/office/drawing/2014/main" id="{81842F8D-F6BC-A120-147B-A2C44E10B3D5}"/>
               </a:ext>
             </a:extLst>
           </p:cNvPr>
@@ -1933,7 +1933,7 @@
           <p:cNvPr id="3" name="日期占位符 2">
             <a:extLst>
               <a:ext uri="{FF2B5EF4-FFF2-40B4-BE49-F238E27FC236}">
-                <a16:creationId xmlns:a16="http://schemas.microsoft.com/office/drawing/2014/main" id="{7C6B6FD2-9B6B-E5EF-771D-5DA6A0C9D8A2}"/>
+                <a16:creationId xmlns:a16="http://schemas.microsoft.com/office/drawing/2014/main" id="{61E66D39-0B57-2640-A0B7-DFCF74B88BF4}"/>
               </a:ext>
             </a:extLst>
           </p:cNvPr>
@@ -1949,7 +1949,7 @@
           <a:bodyPr/>
           <a:lstStyle/>
           <a:p>
-            <a:fld id="{8C1EEF2E-0BC6-4099-ACEE-A6F26BE692BA}" type="datetimeFigureOut">
+            <a:fld id="{24398BFE-3056-4D50-9561-27E8ADA5F587}" type="datetimeFigureOut">
               <a:rPr lang="zh-CN" altLang="en-US" smtClean="0"/>
               <a:t>2024/3/10</a:t>
             </a:fld>
@@ -1962,7 +1962,7 @@
           <p:cNvPr id="4" name="页脚占位符 3">
             <a:extLst>
               <a:ext uri="{FF2B5EF4-FFF2-40B4-BE49-F238E27FC236}">
-                <a16:creationId xmlns:a16="http://schemas.microsoft.com/office/drawing/2014/main" id="{F38DEACC-073E-4348-6B43-5D8815D104BF}"/>
+                <a16:creationId xmlns:a16="http://schemas.microsoft.com/office/drawing/2014/main" id="{3AF33420-6F9E-EF00-EF83-4BB1D1A3E00D}"/>
               </a:ext>
             </a:extLst>
           </p:cNvPr>
@@ -1987,7 +1987,7 @@
           <p:cNvPr id="5" name="灯片编号占位符 4">
             <a:extLst>
               <a:ext uri="{FF2B5EF4-FFF2-40B4-BE49-F238E27FC236}">
-                <a16:creationId xmlns:a16="http://schemas.microsoft.com/office/drawing/2014/main" id="{95DF49CB-3507-17A3-B4CA-120D003F7CE2}"/>
+                <a16:creationId xmlns:a16="http://schemas.microsoft.com/office/drawing/2014/main" id="{1C14EC34-871D-C251-C07D-05B401CD504F}"/>
               </a:ext>
             </a:extLst>
           </p:cNvPr>
@@ -2003,7 +2003,7 @@
           <a:bodyPr/>
           <a:lstStyle/>
           <a:p>
-            <a:fld id="{49692FA6-979D-4935-96EC-6B1E20EBDCF0}" type="slidenum">
+            <a:fld id="{FDE6FA59-A116-405B-A2B8-5C7A5AB6A47A}" type="slidenum">
               <a:rPr lang="zh-CN" altLang="en-US" smtClean="0"/>
               <a:t>‹#›</a:t>
             </a:fld>
@@ -2014,7 +2014,7 @@
     </p:spTree>
     <p:extLst>
       <p:ext uri="{BB962C8B-B14F-4D97-AF65-F5344CB8AC3E}">
-        <p14:creationId xmlns:p14="http://schemas.microsoft.com/office/powerpoint/2010/main" val="1364493233"/>
+        <p14:creationId xmlns:p14="http://schemas.microsoft.com/office/powerpoint/2010/main" val="800791567"/>
       </p:ext>
     </p:extLst>
   </p:cSld>
@@ -2046,7 +2046,7 @@
           <p:cNvPr id="2" name="日期占位符 1">
             <a:extLst>
               <a:ext uri="{FF2B5EF4-FFF2-40B4-BE49-F238E27FC236}">
-                <a16:creationId xmlns:a16="http://schemas.microsoft.com/office/drawing/2014/main" id="{FF499451-7BDD-4719-47E5-0FDC5E363CCC}"/>
+                <a16:creationId xmlns:a16="http://schemas.microsoft.com/office/drawing/2014/main" id="{2187EC3C-EACA-CEA9-0081-0902E8412B68}"/>
               </a:ext>
             </a:extLst>
           </p:cNvPr>
@@ -2062,7 +2062,7 @@
           <a:bodyPr/>
           <a:lstStyle/>
           <a:p>
-            <a:fld id="{8C1EEF2E-0BC6-4099-ACEE-A6F26BE692BA}" type="datetimeFigureOut">
+            <a:fld id="{24398BFE-3056-4D50-9561-27E8ADA5F587}" type="datetimeFigureOut">
               <a:rPr lang="zh-CN" altLang="en-US" smtClean="0"/>
               <a:t>2024/3/10</a:t>
             </a:fld>
@@ -2075,7 +2075,7 @@
           <p:cNvPr id="3" name="页脚占位符 2">
             <a:extLst>
               <a:ext uri="{FF2B5EF4-FFF2-40B4-BE49-F238E27FC236}">
-                <a16:creationId xmlns:a16="http://schemas.microsoft.com/office/drawing/2014/main" id="{6816D02E-4E29-F000-83EC-C26959EE7A36}"/>
+                <a16:creationId xmlns:a16="http://schemas.microsoft.com/office/drawing/2014/main" id="{CB3D87A1-7054-E32C-7EEB-1838481BCFD3}"/>
               </a:ext>
             </a:extLst>
           </p:cNvPr>
@@ -2100,7 +2100,7 @@
           <p:cNvPr id="4" name="灯片编号占位符 3">
             <a:extLst>
               <a:ext uri="{FF2B5EF4-FFF2-40B4-BE49-F238E27FC236}">
-                <a16:creationId xmlns:a16="http://schemas.microsoft.com/office/drawing/2014/main" id="{56378873-77EF-B889-9C80-799128400553}"/>
+                <a16:creationId xmlns:a16="http://schemas.microsoft.com/office/drawing/2014/main" id="{EAC1486A-EFAA-B689-0E2A-7F0DD8B20CE7}"/>
               </a:ext>
             </a:extLst>
           </p:cNvPr>
@@ -2116,7 +2116,7 @@
           <a:bodyPr/>
           <a:lstStyle/>
           <a:p>
-            <a:fld id="{49692FA6-979D-4935-96EC-6B1E20EBDCF0}" type="slidenum">
+            <a:fld id="{FDE6FA59-A116-405B-A2B8-5C7A5AB6A47A}" type="slidenum">
               <a:rPr lang="zh-CN" altLang="en-US" smtClean="0"/>
               <a:t>‹#›</a:t>
             </a:fld>
@@ -2127,7 +2127,7 @@
     </p:spTree>
     <p:extLst>
       <p:ext uri="{BB962C8B-B14F-4D97-AF65-F5344CB8AC3E}">
-        <p14:creationId xmlns:p14="http://schemas.microsoft.com/office/powerpoint/2010/main" val="2588325175"/>
+        <p14:creationId xmlns:p14="http://schemas.microsoft.com/office/powerpoint/2010/main" val="1171403561"/>
       </p:ext>
     </p:extLst>
   </p:cSld>
@@ -2159,7 +2159,7 @@
           <p:cNvPr id="2" name="标题 1">
             <a:extLst>
               <a:ext uri="{FF2B5EF4-FFF2-40B4-BE49-F238E27FC236}">
-                <a16:creationId xmlns:a16="http://schemas.microsoft.com/office/drawing/2014/main" id="{A4FDF94D-A9A1-AF7E-B7C4-EC3AD9DB918B}"/>
+                <a16:creationId xmlns:a16="http://schemas.microsoft.com/office/drawing/2014/main" id="{00A2E49C-440A-1858-CEBE-31530FD46F0D}"/>
               </a:ext>
             </a:extLst>
           </p:cNvPr>
@@ -2196,7 +2196,7 @@
           <p:cNvPr id="3" name="内容占位符 2">
             <a:extLst>
               <a:ext uri="{FF2B5EF4-FFF2-40B4-BE49-F238E27FC236}">
-                <a16:creationId xmlns:a16="http://schemas.microsoft.com/office/drawing/2014/main" id="{084671A1-FC58-7652-6B67-5457800BD01C}"/>
+                <a16:creationId xmlns:a16="http://schemas.microsoft.com/office/drawing/2014/main" id="{78F1B1DF-C218-7B8C-1210-33B4DC227CCB}"/>
               </a:ext>
             </a:extLst>
           </p:cNvPr>
@@ -2286,7 +2286,7 @@
           <p:cNvPr id="4" name="文本占位符 3">
             <a:extLst>
               <a:ext uri="{FF2B5EF4-FFF2-40B4-BE49-F238E27FC236}">
-                <a16:creationId xmlns:a16="http://schemas.microsoft.com/office/drawing/2014/main" id="{B8BBDD41-C289-1080-1F6C-D6977C5537CB}"/>
+                <a16:creationId xmlns:a16="http://schemas.microsoft.com/office/drawing/2014/main" id="{2DC343A3-EFDF-5F00-8DCA-7CFCAB33EC30}"/>
               </a:ext>
             </a:extLst>
           </p:cNvPr>
@@ -2357,7 +2357,7 @@
           <p:cNvPr id="5" name="日期占位符 4">
             <a:extLst>
               <a:ext uri="{FF2B5EF4-FFF2-40B4-BE49-F238E27FC236}">
-                <a16:creationId xmlns:a16="http://schemas.microsoft.com/office/drawing/2014/main" id="{1196E3B0-6952-D76C-BB85-4FA364F97056}"/>
+                <a16:creationId xmlns:a16="http://schemas.microsoft.com/office/drawing/2014/main" id="{D8DB633B-7A69-6EF2-8196-803C6E5C97FE}"/>
               </a:ext>
             </a:extLst>
           </p:cNvPr>
@@ -2373,7 +2373,7 @@
           <a:bodyPr/>
           <a:lstStyle/>
           <a:p>
-            <a:fld id="{8C1EEF2E-0BC6-4099-ACEE-A6F26BE692BA}" type="datetimeFigureOut">
+            <a:fld id="{24398BFE-3056-4D50-9561-27E8ADA5F587}" type="datetimeFigureOut">
               <a:rPr lang="zh-CN" altLang="en-US" smtClean="0"/>
               <a:t>2024/3/10</a:t>
             </a:fld>
@@ -2386,7 +2386,7 @@
           <p:cNvPr id="6" name="页脚占位符 5">
             <a:extLst>
               <a:ext uri="{FF2B5EF4-FFF2-40B4-BE49-F238E27FC236}">
-                <a16:creationId xmlns:a16="http://schemas.microsoft.com/office/drawing/2014/main" id="{8D4DA3EB-9FF9-170B-2379-FA86EC159E95}"/>
+                <a16:creationId xmlns:a16="http://schemas.microsoft.com/office/drawing/2014/main" id="{BE11DDC7-1043-8CFC-FDB1-68ED437BDB3C}"/>
               </a:ext>
             </a:extLst>
           </p:cNvPr>
@@ -2411,7 +2411,7 @@
           <p:cNvPr id="7" name="灯片编号占位符 6">
             <a:extLst>
               <a:ext uri="{FF2B5EF4-FFF2-40B4-BE49-F238E27FC236}">
-                <a16:creationId xmlns:a16="http://schemas.microsoft.com/office/drawing/2014/main" id="{383CF65D-F8F0-F1E9-3662-1F75E7E24E11}"/>
+                <a16:creationId xmlns:a16="http://schemas.microsoft.com/office/drawing/2014/main" id="{FC9C622B-4B78-AB2A-66B3-4A560FC59702}"/>
               </a:ext>
             </a:extLst>
           </p:cNvPr>
@@ -2427,7 +2427,7 @@
           <a:bodyPr/>
           <a:lstStyle/>
           <a:p>
-            <a:fld id="{49692FA6-979D-4935-96EC-6B1E20EBDCF0}" type="slidenum">
+            <a:fld id="{FDE6FA59-A116-405B-A2B8-5C7A5AB6A47A}" type="slidenum">
               <a:rPr lang="zh-CN" altLang="en-US" smtClean="0"/>
               <a:t>‹#›</a:t>
             </a:fld>
@@ -2438,7 +2438,7 @@
     </p:spTree>
     <p:extLst>
       <p:ext uri="{BB962C8B-B14F-4D97-AF65-F5344CB8AC3E}">
-        <p14:creationId xmlns:p14="http://schemas.microsoft.com/office/powerpoint/2010/main" val="4211575140"/>
+        <p14:creationId xmlns:p14="http://schemas.microsoft.com/office/powerpoint/2010/main" val="134161912"/>
       </p:ext>
     </p:extLst>
   </p:cSld>
@@ -2470,7 +2470,7 @@
           <p:cNvPr id="2" name="标题 1">
             <a:extLst>
               <a:ext uri="{FF2B5EF4-FFF2-40B4-BE49-F238E27FC236}">
-                <a16:creationId xmlns:a16="http://schemas.microsoft.com/office/drawing/2014/main" id="{BF44E12B-3BB9-84BA-30B1-E6AA9058E907}"/>
+                <a16:creationId xmlns:a16="http://schemas.microsoft.com/office/drawing/2014/main" id="{6B9356B0-E10A-2F0D-CD06-E718579729A2}"/>
               </a:ext>
             </a:extLst>
           </p:cNvPr>
@@ -2507,7 +2507,7 @@
           <p:cNvPr id="3" name="图片占位符 2">
             <a:extLst>
               <a:ext uri="{FF2B5EF4-FFF2-40B4-BE49-F238E27FC236}">
-                <a16:creationId xmlns:a16="http://schemas.microsoft.com/office/drawing/2014/main" id="{9D90BFEB-1B19-6D3D-C011-F4760CA31EA8}"/>
+                <a16:creationId xmlns:a16="http://schemas.microsoft.com/office/drawing/2014/main" id="{76825DD4-7DC5-8425-5642-645717715AC2}"/>
               </a:ext>
             </a:extLst>
           </p:cNvPr>
@@ -2574,7 +2574,7 @@
           <p:cNvPr id="4" name="文本占位符 3">
             <a:extLst>
               <a:ext uri="{FF2B5EF4-FFF2-40B4-BE49-F238E27FC236}">
-                <a16:creationId xmlns:a16="http://schemas.microsoft.com/office/drawing/2014/main" id="{1E955704-BD0F-9E9F-A06F-C543A1666AA7}"/>
+                <a16:creationId xmlns:a16="http://schemas.microsoft.com/office/drawing/2014/main" id="{4598C97E-8ED6-CB37-EC17-F84E11B143FA}"/>
               </a:ext>
             </a:extLst>
           </p:cNvPr>
@@ -2645,7 +2645,7 @@
           <p:cNvPr id="5" name="日期占位符 4">
             <a:extLst>
               <a:ext uri="{FF2B5EF4-FFF2-40B4-BE49-F238E27FC236}">
-                <a16:creationId xmlns:a16="http://schemas.microsoft.com/office/drawing/2014/main" id="{3AE9DF76-B16F-07C0-7A2B-32C65AD2F76F}"/>
+                <a16:creationId xmlns:a16="http://schemas.microsoft.com/office/drawing/2014/main" id="{5867D727-0C66-8733-F119-FAB0CBDE9367}"/>
               </a:ext>
             </a:extLst>
           </p:cNvPr>
@@ -2661,7 +2661,7 @@
           <a:bodyPr/>
           <a:lstStyle/>
           <a:p>
-            <a:fld id="{8C1EEF2E-0BC6-4099-ACEE-A6F26BE692BA}" type="datetimeFigureOut">
+            <a:fld id="{24398BFE-3056-4D50-9561-27E8ADA5F587}" type="datetimeFigureOut">
               <a:rPr lang="zh-CN" altLang="en-US" smtClean="0"/>
               <a:t>2024/3/10</a:t>
             </a:fld>
@@ -2674,7 +2674,7 @@
           <p:cNvPr id="6" name="页脚占位符 5">
             <a:extLst>
               <a:ext uri="{FF2B5EF4-FFF2-40B4-BE49-F238E27FC236}">
-                <a16:creationId xmlns:a16="http://schemas.microsoft.com/office/drawing/2014/main" id="{B13A4F1A-5C34-C1D5-6DAD-12E1BEECBC62}"/>
+                <a16:creationId xmlns:a16="http://schemas.microsoft.com/office/drawing/2014/main" id="{FD67AE74-8B46-8FBF-B644-5B8F6D4AA8F7}"/>
               </a:ext>
             </a:extLst>
           </p:cNvPr>
@@ -2699,7 +2699,7 @@
           <p:cNvPr id="7" name="灯片编号占位符 6">
             <a:extLst>
               <a:ext uri="{FF2B5EF4-FFF2-40B4-BE49-F238E27FC236}">
-                <a16:creationId xmlns:a16="http://schemas.microsoft.com/office/drawing/2014/main" id="{BCCAF486-E52F-5590-695A-2A10281F0D6F}"/>
+                <a16:creationId xmlns:a16="http://schemas.microsoft.com/office/drawing/2014/main" id="{C2A0D55F-4C3C-52FB-B105-8B269D6F37C0}"/>
               </a:ext>
             </a:extLst>
           </p:cNvPr>
@@ -2715,7 +2715,7 @@
           <a:bodyPr/>
           <a:lstStyle/>
           <a:p>
-            <a:fld id="{49692FA6-979D-4935-96EC-6B1E20EBDCF0}" type="slidenum">
+            <a:fld id="{FDE6FA59-A116-405B-A2B8-5C7A5AB6A47A}" type="slidenum">
               <a:rPr lang="zh-CN" altLang="en-US" smtClean="0"/>
               <a:t>‹#›</a:t>
             </a:fld>
@@ -2726,7 +2726,7 @@
     </p:spTree>
     <p:extLst>
       <p:ext uri="{BB962C8B-B14F-4D97-AF65-F5344CB8AC3E}">
-        <p14:creationId xmlns:p14="http://schemas.microsoft.com/office/powerpoint/2010/main" val="760137975"/>
+        <p14:creationId xmlns:p14="http://schemas.microsoft.com/office/powerpoint/2010/main" val="966674423"/>
       </p:ext>
     </p:extLst>
   </p:cSld>
@@ -2763,7 +2763,7 @@
           <p:cNvPr id="2" name="标题占位符 1">
             <a:extLst>
               <a:ext uri="{FF2B5EF4-FFF2-40B4-BE49-F238E27FC236}">
-                <a16:creationId xmlns:a16="http://schemas.microsoft.com/office/drawing/2014/main" id="{CA2A85B8-79BE-715D-A9C6-1923607A673E}"/>
+                <a16:creationId xmlns:a16="http://schemas.microsoft.com/office/drawing/2014/main" id="{4BB1590F-A0E1-2805-E70F-E2A1D4395080}"/>
               </a:ext>
             </a:extLst>
           </p:cNvPr>
@@ -2801,7 +2801,7 @@
           <p:cNvPr id="3" name="文本占位符 2">
             <a:extLst>
               <a:ext uri="{FF2B5EF4-FFF2-40B4-BE49-F238E27FC236}">
-                <a16:creationId xmlns:a16="http://schemas.microsoft.com/office/drawing/2014/main" id="{D35A39A1-5807-91EF-E5E9-CA5DDD17412C}"/>
+                <a16:creationId xmlns:a16="http://schemas.microsoft.com/office/drawing/2014/main" id="{5F212B4B-37DF-A031-C542-FFDF5692BE7D}"/>
               </a:ext>
             </a:extLst>
           </p:cNvPr>
@@ -2868,7 +2868,7 @@
           <p:cNvPr id="4" name="日期占位符 3">
             <a:extLst>
               <a:ext uri="{FF2B5EF4-FFF2-40B4-BE49-F238E27FC236}">
-                <a16:creationId xmlns:a16="http://schemas.microsoft.com/office/drawing/2014/main" id="{BDFAD2A8-03EB-7612-EB8B-C0C226641295}"/>
+                <a16:creationId xmlns:a16="http://schemas.microsoft.com/office/drawing/2014/main" id="{7A6ADEFE-0CE7-5A39-B24B-FDDF21593987}"/>
               </a:ext>
             </a:extLst>
           </p:cNvPr>
@@ -2902,7 +2902,7 @@
             </a:lvl1pPr>
           </a:lstStyle>
           <a:p>
-            <a:fld id="{8C1EEF2E-0BC6-4099-ACEE-A6F26BE692BA}" type="datetimeFigureOut">
+            <a:fld id="{24398BFE-3056-4D50-9561-27E8ADA5F587}" type="datetimeFigureOut">
               <a:rPr lang="zh-CN" altLang="en-US" smtClean="0"/>
               <a:t>2024/3/10</a:t>
             </a:fld>
@@ -2915,7 +2915,7 @@
           <p:cNvPr id="5" name="页脚占位符 4">
             <a:extLst>
               <a:ext uri="{FF2B5EF4-FFF2-40B4-BE49-F238E27FC236}">
-                <a16:creationId xmlns:a16="http://schemas.microsoft.com/office/drawing/2014/main" id="{96584F38-1A54-952E-B0A2-ADFECF0FB530}"/>
+                <a16:creationId xmlns:a16="http://schemas.microsoft.com/office/drawing/2014/main" id="{EF91FEA8-DA25-9F7F-4490-D21F4B13D32C}"/>
               </a:ext>
             </a:extLst>
           </p:cNvPr>
@@ -2958,7 +2958,7 @@
           <p:cNvPr id="6" name="灯片编号占位符 5">
             <a:extLst>
               <a:ext uri="{FF2B5EF4-FFF2-40B4-BE49-F238E27FC236}">
-                <a16:creationId xmlns:a16="http://schemas.microsoft.com/office/drawing/2014/main" id="{2316B8F4-0359-5CC8-5997-0E3DA95D5F73}"/>
+                <a16:creationId xmlns:a16="http://schemas.microsoft.com/office/drawing/2014/main" id="{84C9BA06-68D7-5167-DC1F-C83EC1B4D1CD}"/>
               </a:ext>
             </a:extLst>
           </p:cNvPr>
@@ -2992,7 +2992,7 @@
             </a:lvl1pPr>
           </a:lstStyle>
           <a:p>
-            <a:fld id="{49692FA6-979D-4935-96EC-6B1E20EBDCF0}" type="slidenum">
+            <a:fld id="{FDE6FA59-A116-405B-A2B8-5C7A5AB6A47A}" type="slidenum">
               <a:rPr lang="zh-CN" altLang="en-US" smtClean="0"/>
               <a:t>‹#›</a:t>
             </a:fld>
@@ -3003,7 +3003,7 @@
     </p:spTree>
     <p:extLst>
       <p:ext uri="{BB962C8B-B14F-4D97-AF65-F5344CB8AC3E}">
-        <p14:creationId xmlns:p14="http://schemas.microsoft.com/office/powerpoint/2010/main" val="4017659869"/>
+        <p14:creationId xmlns:p14="http://schemas.microsoft.com/office/powerpoint/2010/main" val="2828163295"/>
       </p:ext>
     </p:extLst>
   </p:cSld>
@@ -3323,7 +3323,7 @@
       </p:grpSpPr>
       <p:pic>
         <p:nvPicPr>
-          <p:cNvPr id="186370" name="Picture 2" descr="181"/>
+          <p:cNvPr id="187394" name="Picture 2" descr="182"/>
           <p:cNvPicPr>
             <a:picLocks noChangeAspect="1" noChangeArrowheads="1"/>
           </p:cNvPicPr>
@@ -3345,7 +3345,7 @@
         <p:spPr bwMode="auto">
           <a:xfrm>
             <a:off x="1524000" y="0"/>
-            <a:ext cx="9144000" cy="6859588"/>
+            <a:ext cx="9144000" cy="6858000"/>
           </a:xfrm>
           <a:prstGeom prst="rect">
             <a:avLst/>
@@ -3377,7 +3377,7 @@
       </p:pic>
       <p:pic>
         <p:nvPicPr>
-          <p:cNvPr id="187395" name="Picture 3" descr="181-2"/>
+          <p:cNvPr id="188419" name="Picture 3" descr="182-2"/>
           <p:cNvPicPr>
             <a:picLocks noChangeAspect="1" noChangeArrowheads="1"/>
           </p:cNvPicPr>
@@ -3398,7 +3398,7 @@
         </p:blipFill>
         <p:spPr bwMode="auto">
           <a:xfrm>
-            <a:off x="1524000" y="0"/>
+            <a:off x="1560513" y="0"/>
             <a:ext cx="9144000" cy="6858000"/>
           </a:xfrm>
           <a:prstGeom prst="rect">
@@ -3478,7 +3478,7 @@
                                           </p:stCondLst>
                                         </p:cTn>
                                         <p:tgtEl>
-                                          <p:spTgt spid="187395"/>
+                                          <p:spTgt spid="188419"/>
                                         </p:tgtEl>
                                         <p:attrNameLst>
                                           <p:attrName>style.visibility</p:attrName>
@@ -3492,7 +3492,7 @@
                                       <p:cBhvr>
                                         <p:cTn id="7" dur="500"/>
                                         <p:tgtEl>
-                                          <p:spTgt spid="187395"/>
+                                          <p:spTgt spid="188419"/>
                                         </p:tgtEl>
                                       </p:cBhvr>
                                     </p:animEffect>
